--- a/static/Johnson-Lacoss Comps Poster.pptx
+++ b/static/Johnson-Lacoss Comps Poster.pptx
@@ -333,7 +333,7 @@
           <a:p>
             <a:fld id="{BB16A168-4A34-A74F-85A3-76AF365B6EEB}" type="datetimeFigureOut">
               <a:rPr lang="en-US" smtClean="0"/>
-              <a:t>3/6/2024</a:t>
+              <a:t>9/20/2024</a:t>
             </a:fld>
             <a:endParaRPr lang="en-US"/>
           </a:p>
@@ -501,7 +501,7 @@
           <a:p>
             <a:fld id="{BB16A168-4A34-A74F-85A3-76AF365B6EEB}" type="datetimeFigureOut">
               <a:rPr lang="en-US" smtClean="0"/>
-              <a:t>3/6/2024</a:t>
+              <a:t>9/20/2024</a:t>
             </a:fld>
             <a:endParaRPr lang="en-US"/>
           </a:p>
@@ -679,7 +679,7 @@
           <a:p>
             <a:fld id="{BB16A168-4A34-A74F-85A3-76AF365B6EEB}" type="datetimeFigureOut">
               <a:rPr lang="en-US" smtClean="0"/>
-              <a:t>3/6/2024</a:t>
+              <a:t>9/20/2024</a:t>
             </a:fld>
             <a:endParaRPr lang="en-US"/>
           </a:p>
@@ -847,7 +847,7 @@
           <a:p>
             <a:fld id="{BB16A168-4A34-A74F-85A3-76AF365B6EEB}" type="datetimeFigureOut">
               <a:rPr lang="en-US" smtClean="0"/>
-              <a:t>3/6/2024</a:t>
+              <a:t>9/20/2024</a:t>
             </a:fld>
             <a:endParaRPr lang="en-US"/>
           </a:p>
@@ -1092,7 +1092,7 @@
           <a:p>
             <a:fld id="{BB16A168-4A34-A74F-85A3-76AF365B6EEB}" type="datetimeFigureOut">
               <a:rPr lang="en-US" smtClean="0"/>
-              <a:t>3/6/2024</a:t>
+              <a:t>9/20/2024</a:t>
             </a:fld>
             <a:endParaRPr lang="en-US"/>
           </a:p>
@@ -1377,7 +1377,7 @@
           <a:p>
             <a:fld id="{BB16A168-4A34-A74F-85A3-76AF365B6EEB}" type="datetimeFigureOut">
               <a:rPr lang="en-US" smtClean="0"/>
-              <a:t>3/6/2024</a:t>
+              <a:t>9/20/2024</a:t>
             </a:fld>
             <a:endParaRPr lang="en-US"/>
           </a:p>
@@ -1801,7 +1801,7 @@
           <a:p>
             <a:fld id="{BB16A168-4A34-A74F-85A3-76AF365B6EEB}" type="datetimeFigureOut">
               <a:rPr lang="en-US" smtClean="0"/>
-              <a:t>3/6/2024</a:t>
+              <a:t>9/20/2024</a:t>
             </a:fld>
             <a:endParaRPr lang="en-US"/>
           </a:p>
@@ -1918,7 +1918,7 @@
           <a:p>
             <a:fld id="{BB16A168-4A34-A74F-85A3-76AF365B6EEB}" type="datetimeFigureOut">
               <a:rPr lang="en-US" smtClean="0"/>
-              <a:t>3/6/2024</a:t>
+              <a:t>9/20/2024</a:t>
             </a:fld>
             <a:endParaRPr lang="en-US"/>
           </a:p>
@@ -2013,7 +2013,7 @@
           <a:p>
             <a:fld id="{BB16A168-4A34-A74F-85A3-76AF365B6EEB}" type="datetimeFigureOut">
               <a:rPr lang="en-US" smtClean="0"/>
-              <a:t>3/6/2024</a:t>
+              <a:t>9/20/2024</a:t>
             </a:fld>
             <a:endParaRPr lang="en-US"/>
           </a:p>
@@ -2288,7 +2288,7 @@
           <a:p>
             <a:fld id="{BB16A168-4A34-A74F-85A3-76AF365B6EEB}" type="datetimeFigureOut">
               <a:rPr lang="en-US" smtClean="0"/>
-              <a:t>3/6/2024</a:t>
+              <a:t>9/20/2024</a:t>
             </a:fld>
             <a:endParaRPr lang="en-US"/>
           </a:p>
@@ -2540,7 +2540,7 @@
           <a:p>
             <a:fld id="{BB16A168-4A34-A74F-85A3-76AF365B6EEB}" type="datetimeFigureOut">
               <a:rPr lang="en-US" smtClean="0"/>
-              <a:t>3/6/2024</a:t>
+              <a:t>9/20/2024</a:t>
             </a:fld>
             <a:endParaRPr lang="en-US"/>
           </a:p>
@@ -2751,7 +2751,7 @@
           <a:p>
             <a:fld id="{BB16A168-4A34-A74F-85A3-76AF365B6EEB}" type="datetimeFigureOut">
               <a:rPr lang="en-US" smtClean="0"/>
-              <a:t>3/6/2024</a:t>
+              <a:t>9/20/2024</a:t>
             </a:fld>
             <a:endParaRPr lang="en-US"/>
           </a:p>
@@ -6038,7 +6038,7 @@
         </p:nvSpPr>
         <p:spPr>
           <a:xfrm>
-            <a:off x="25346490" y="14493240"/>
+            <a:off x="28383203" y="14549729"/>
             <a:ext cx="1522650" cy="3743010"/>
           </a:xfrm>
           <a:prstGeom prst="roundRect">
@@ -6236,50 +6236,6 @@
           </a:prstGeom>
         </p:spPr>
       </p:pic>
-      <p:sp>
-        <p:nvSpPr>
-          <p:cNvPr id="35" name="Rectangle 34">
-            <a:extLst>
-              <a:ext uri="{FF2B5EF4-FFF2-40B4-BE49-F238E27FC236}">
-                <a16:creationId xmlns:a16="http://schemas.microsoft.com/office/drawing/2014/main" id="{0B32F4AF-B758-EDDC-F8E6-71185C951B3E}"/>
-              </a:ext>
-            </a:extLst>
-          </p:cNvPr>
-          <p:cNvSpPr/>
-          <p:nvPr/>
-        </p:nvSpPr>
-        <p:spPr>
-          <a:xfrm>
-            <a:off x="28764738" y="12512350"/>
-            <a:ext cx="390906" cy="1916881"/>
-          </a:xfrm>
-          <a:prstGeom prst="rect">
-            <a:avLst/>
-          </a:prstGeom>
-        </p:spPr>
-        <p:style>
-          <a:lnRef idx="1">
-            <a:schemeClr val="accent1"/>
-          </a:lnRef>
-          <a:fillRef idx="3">
-            <a:schemeClr val="accent1"/>
-          </a:fillRef>
-          <a:effectRef idx="2">
-            <a:schemeClr val="accent1"/>
-          </a:effectRef>
-          <a:fontRef idx="minor">
-            <a:schemeClr val="lt1"/>
-          </a:fontRef>
-        </p:style>
-        <p:txBody>
-          <a:bodyPr rtlCol="0" anchor="ctr"/>
-          <a:lstStyle/>
-          <a:p>
-            <a:pPr algn="ctr"/>
-            <a:endParaRPr lang="en-US"/>
-          </a:p>
-        </p:txBody>
-      </p:sp>
       <p:pic>
         <p:nvPicPr>
           <p:cNvPr id="77" name="Picture 76" descr="A white cell phone with a logo&#10;&#10;Description automatically generated">
@@ -8880,8 +8836,8 @@
         </p:nvGrpSpPr>
         <p:grpSpPr>
           <a:xfrm>
-            <a:off x="24205322" y="11217225"/>
-            <a:ext cx="1036290" cy="2590250"/>
+            <a:off x="28489977" y="14917485"/>
+            <a:ext cx="1309101" cy="3272152"/>
             <a:chOff x="16830046" y="15444697"/>
             <a:chExt cx="1036290" cy="2590250"/>
           </a:xfrm>
@@ -8932,13 +8888,6 @@
           <p:txBody>
             <a:bodyPr rtlCol="0" anchor="ctr"/>
             <a:lstStyle/>
-            <a:p>
-              <a:pPr algn="ctr"/>
-              <a:r>
-                <a:rPr lang="en-US" sz="1200" dirty="0"/>
-                <a:t>MLP</a:t>
-              </a:r>
-            </a:p>
             <a:p>
               <a:pPr algn="ctr"/>
               <a:r>
@@ -10035,7 +9984,7 @@
         </p:nvSpPr>
         <p:spPr>
           <a:xfrm>
-            <a:off x="25499683" y="14533368"/>
+            <a:off x="28544937" y="14598365"/>
             <a:ext cx="1231496" cy="338554"/>
           </a:xfrm>
           <a:prstGeom prst="rect">
@@ -10115,7 +10064,7 @@
         </p:nvSpPr>
         <p:spPr>
           <a:xfrm>
-            <a:off x="26957355" y="14497490"/>
+            <a:off x="24976155" y="14497490"/>
             <a:ext cx="1522650" cy="3743010"/>
           </a:xfrm>
           <a:prstGeom prst="roundRect">
@@ -10167,7 +10116,7 @@
         </p:nvSpPr>
         <p:spPr>
           <a:xfrm>
-            <a:off x="27110548" y="14537618"/>
+            <a:off x="25129348" y="14537618"/>
             <a:ext cx="1231496" cy="338554"/>
           </a:xfrm>
           <a:prstGeom prst="rect">
@@ -10207,7 +10156,7 @@
         </p:nvGrpSpPr>
         <p:grpSpPr>
           <a:xfrm>
-            <a:off x="25451368" y="14855690"/>
+            <a:off x="23470168" y="14855690"/>
             <a:ext cx="1279811" cy="3237170"/>
             <a:chOff x="25451368" y="14855690"/>
             <a:chExt cx="1279811" cy="3237170"/>
@@ -10578,7 +10527,7 @@
         </p:nvGrpSpPr>
         <p:grpSpPr>
           <a:xfrm>
-            <a:off x="27288163" y="14911508"/>
+            <a:off x="25306963" y="14911508"/>
             <a:ext cx="876266" cy="1925861"/>
             <a:chOff x="27294495" y="14931614"/>
             <a:chExt cx="851207" cy="1870786"/>
@@ -11161,7 +11110,7 @@
         </p:nvCxnSpPr>
         <p:spPr>
           <a:xfrm>
-            <a:off x="27723760" y="16910928"/>
+            <a:off x="25742560" y="16910928"/>
             <a:ext cx="0" cy="303456"/>
           </a:xfrm>
           <a:prstGeom prst="straightConnector1">
@@ -11245,7 +11194,7 @@
         </p:nvGrpSpPr>
         <p:grpSpPr>
           <a:xfrm>
-            <a:off x="27186106" y="17281240"/>
+            <a:off x="25204906" y="17281240"/>
             <a:ext cx="1132639" cy="822960"/>
             <a:chOff x="27166356" y="17305596"/>
             <a:chExt cx="1132639" cy="822960"/>
